--- a/c-35_spi_flash/3_rd/information/spi_flah_rd.pptx
+++ b/c-35_spi_flash/3_rd/information/spi_flah_rd.pptx
@@ -205,7 +205,7 @@
           <a:p>
             <a:fld id="{D3660239-BD88-454E-B042-45B8EC2E40A6}" type="datetimeFigureOut">
               <a:rPr lang="zh-TW" altLang="en-US" smtClean="0"/>
-              <a:t>2024/5/13</a:t>
+              <a:t>2024/7/23</a:t>
             </a:fld>
             <a:endParaRPr lang="zh-TW" altLang="en-US"/>
           </a:p>
@@ -871,7 +871,7 @@
           <a:p>
             <a:fld id="{C6B6F097-BF4F-4F87-BB9E-B26041CFC580}" type="datetimeFigureOut">
               <a:rPr lang="zh-TW" altLang="en-US" smtClean="0"/>
-              <a:t>2024/5/13</a:t>
+              <a:t>2024/7/23</a:t>
             </a:fld>
             <a:endParaRPr lang="zh-TW" altLang="en-US"/>
           </a:p>
@@ -1069,7 +1069,7 @@
           <a:p>
             <a:fld id="{C6B6F097-BF4F-4F87-BB9E-B26041CFC580}" type="datetimeFigureOut">
               <a:rPr lang="zh-TW" altLang="en-US" smtClean="0"/>
-              <a:t>2024/5/13</a:t>
+              <a:t>2024/7/23</a:t>
             </a:fld>
             <a:endParaRPr lang="zh-TW" altLang="en-US"/>
           </a:p>
@@ -1277,7 +1277,7 @@
           <a:p>
             <a:fld id="{C6B6F097-BF4F-4F87-BB9E-B26041CFC580}" type="datetimeFigureOut">
               <a:rPr lang="zh-TW" altLang="en-US" smtClean="0"/>
-              <a:t>2024/5/13</a:t>
+              <a:t>2024/7/23</a:t>
             </a:fld>
             <a:endParaRPr lang="zh-TW" altLang="en-US"/>
           </a:p>
@@ -1475,7 +1475,7 @@
           <a:p>
             <a:fld id="{C6B6F097-BF4F-4F87-BB9E-B26041CFC580}" type="datetimeFigureOut">
               <a:rPr lang="zh-TW" altLang="en-US" smtClean="0"/>
-              <a:t>2024/5/13</a:t>
+              <a:t>2024/7/23</a:t>
             </a:fld>
             <a:endParaRPr lang="zh-TW" altLang="en-US"/>
           </a:p>
@@ -1750,7 +1750,7 @@
           <a:p>
             <a:fld id="{C6B6F097-BF4F-4F87-BB9E-B26041CFC580}" type="datetimeFigureOut">
               <a:rPr lang="zh-TW" altLang="en-US" smtClean="0"/>
-              <a:t>2024/5/13</a:t>
+              <a:t>2024/7/23</a:t>
             </a:fld>
             <a:endParaRPr lang="zh-TW" altLang="en-US"/>
           </a:p>
@@ -2015,7 +2015,7 @@
           <a:p>
             <a:fld id="{C6B6F097-BF4F-4F87-BB9E-B26041CFC580}" type="datetimeFigureOut">
               <a:rPr lang="zh-TW" altLang="en-US" smtClean="0"/>
-              <a:t>2024/5/13</a:t>
+              <a:t>2024/7/23</a:t>
             </a:fld>
             <a:endParaRPr lang="zh-TW" altLang="en-US"/>
           </a:p>
@@ -2427,7 +2427,7 @@
           <a:p>
             <a:fld id="{C6B6F097-BF4F-4F87-BB9E-B26041CFC580}" type="datetimeFigureOut">
               <a:rPr lang="zh-TW" altLang="en-US" smtClean="0"/>
-              <a:t>2024/5/13</a:t>
+              <a:t>2024/7/23</a:t>
             </a:fld>
             <a:endParaRPr lang="zh-TW" altLang="en-US"/>
           </a:p>
@@ -2568,7 +2568,7 @@
           <a:p>
             <a:fld id="{C6B6F097-BF4F-4F87-BB9E-B26041CFC580}" type="datetimeFigureOut">
               <a:rPr lang="zh-TW" altLang="en-US" smtClean="0"/>
-              <a:t>2024/5/13</a:t>
+              <a:t>2024/7/23</a:t>
             </a:fld>
             <a:endParaRPr lang="zh-TW" altLang="en-US"/>
           </a:p>
@@ -2681,7 +2681,7 @@
           <a:p>
             <a:fld id="{C6B6F097-BF4F-4F87-BB9E-B26041CFC580}" type="datetimeFigureOut">
               <a:rPr lang="zh-TW" altLang="en-US" smtClean="0"/>
-              <a:t>2024/5/13</a:t>
+              <a:t>2024/7/23</a:t>
             </a:fld>
             <a:endParaRPr lang="zh-TW" altLang="en-US"/>
           </a:p>
@@ -2992,7 +2992,7 @@
           <a:p>
             <a:fld id="{C6B6F097-BF4F-4F87-BB9E-B26041CFC580}" type="datetimeFigureOut">
               <a:rPr lang="zh-TW" altLang="en-US" smtClean="0"/>
-              <a:t>2024/5/13</a:t>
+              <a:t>2024/7/23</a:t>
             </a:fld>
             <a:endParaRPr lang="zh-TW" altLang="en-US"/>
           </a:p>
@@ -3280,7 +3280,7 @@
           <a:p>
             <a:fld id="{C6B6F097-BF4F-4F87-BB9E-B26041CFC580}" type="datetimeFigureOut">
               <a:rPr lang="zh-TW" altLang="en-US" smtClean="0"/>
-              <a:t>2024/5/13</a:t>
+              <a:t>2024/7/23</a:t>
             </a:fld>
             <a:endParaRPr lang="zh-TW" altLang="en-US"/>
           </a:p>
@@ -3521,7 +3521,7 @@
           <a:p>
             <a:fld id="{C6B6F097-BF4F-4F87-BB9E-B26041CFC580}" type="datetimeFigureOut">
               <a:rPr lang="zh-TW" altLang="en-US" smtClean="0"/>
-              <a:t>2024/5/13</a:t>
+              <a:t>2024/7/23</a:t>
             </a:fld>
             <a:endParaRPr lang="zh-TW" altLang="en-US"/>
           </a:p>
@@ -4850,12 +4850,56 @@
           </a:p>
         </p:txBody>
       </p:sp>
+      <p:sp>
+        <p:nvSpPr>
+          <p:cNvPr id="7" name="文字方塊 6">
+            <a:extLst>
+              <a:ext uri="{FF2B5EF4-FFF2-40B4-BE49-F238E27FC236}">
+                <a16:creationId xmlns:a16="http://schemas.microsoft.com/office/drawing/2014/main" id="{50D3FAF1-7E0B-DBE5-A899-33E1503A6969}"/>
+              </a:ext>
+            </a:extLst>
+          </p:cNvPr>
+          <p:cNvSpPr txBox="1"/>
+          <p:nvPr/>
+        </p:nvSpPr>
+        <p:spPr>
+          <a:xfrm>
+            <a:off x="904240" y="1452880"/>
+            <a:ext cx="6766560" cy="369332"/>
+          </a:xfrm>
+          <a:prstGeom prst="rect">
+            <a:avLst/>
+          </a:prstGeom>
+          <a:noFill/>
+        </p:spPr>
+        <p:txBody>
+          <a:bodyPr wrap="square" rtlCol="0">
+            <a:spAutoFit/>
+          </a:bodyPr>
+          <a:lstStyle/>
+          <a:p>
+            <a:r>
+              <a:rPr lang="en-US" altLang="zh-TW" dirty="0">
+                <a:solidFill>
+                  <a:srgbClr val="FF0000"/>
+                </a:solidFill>
+              </a:rPr>
+              <a:t>Waveform using reading 5 data to present, easy to draw &amp; observe.</a:t>
+            </a:r>
+            <a:endParaRPr lang="zh-TW" altLang="en-US" dirty="0">
+              <a:solidFill>
+                <a:srgbClr val="FF0000"/>
+              </a:solidFill>
+            </a:endParaRPr>
+          </a:p>
+        </p:txBody>
+      </p:sp>
       <p:pic>
         <p:nvPicPr>
-          <p:cNvPr id="4" name="圖片 3">
-            <a:extLst>
-              <a:ext uri="{FF2B5EF4-FFF2-40B4-BE49-F238E27FC236}">
-                <a16:creationId xmlns:a16="http://schemas.microsoft.com/office/drawing/2014/main" id="{7C5FEA3D-F01B-907E-4861-01A00CC2BBEE}"/>
+          <p:cNvPr id="5" name="圖片 4">
+            <a:extLst>
+              <a:ext uri="{FF2B5EF4-FFF2-40B4-BE49-F238E27FC236}">
+                <a16:creationId xmlns:a16="http://schemas.microsoft.com/office/drawing/2014/main" id="{C8205C00-05EC-0A55-8391-92B584E66AF3}"/>
               </a:ext>
             </a:extLst>
           </p:cNvPr>
@@ -4872,58 +4916,14 @@
         </p:blipFill>
         <p:spPr>
           <a:xfrm>
-            <a:off x="838200" y="1856184"/>
-            <a:ext cx="10088880" cy="4636691"/>
+            <a:off x="904240" y="1854399"/>
+            <a:ext cx="9755344" cy="5003601"/>
           </a:xfrm>
           <a:prstGeom prst="rect">
             <a:avLst/>
           </a:prstGeom>
         </p:spPr>
       </p:pic>
-      <p:sp>
-        <p:nvSpPr>
-          <p:cNvPr id="7" name="文字方塊 6">
-            <a:extLst>
-              <a:ext uri="{FF2B5EF4-FFF2-40B4-BE49-F238E27FC236}">
-                <a16:creationId xmlns:a16="http://schemas.microsoft.com/office/drawing/2014/main" id="{50D3FAF1-7E0B-DBE5-A899-33E1503A6969}"/>
-              </a:ext>
-            </a:extLst>
-          </p:cNvPr>
-          <p:cNvSpPr txBox="1"/>
-          <p:nvPr/>
-        </p:nvSpPr>
-        <p:spPr>
-          <a:xfrm>
-            <a:off x="904240" y="1452880"/>
-            <a:ext cx="6766560" cy="369332"/>
-          </a:xfrm>
-          <a:prstGeom prst="rect">
-            <a:avLst/>
-          </a:prstGeom>
-          <a:noFill/>
-        </p:spPr>
-        <p:txBody>
-          <a:bodyPr wrap="square" rtlCol="0">
-            <a:spAutoFit/>
-          </a:bodyPr>
-          <a:lstStyle/>
-          <a:p>
-            <a:r>
-              <a:rPr lang="en-US" altLang="zh-TW" dirty="0">
-                <a:solidFill>
-                  <a:srgbClr val="FF0000"/>
-                </a:solidFill>
-              </a:rPr>
-              <a:t>Waveform using reading 5 data to present, easy to draw &amp; observe.</a:t>
-            </a:r>
-            <a:endParaRPr lang="zh-TW" altLang="en-US" dirty="0">
-              <a:solidFill>
-                <a:srgbClr val="FF0000"/>
-              </a:solidFill>
-            </a:endParaRPr>
-          </a:p>
-        </p:txBody>
-      </p:sp>
     </p:spTree>
     <p:extLst>
       <p:ext uri="{BB962C8B-B14F-4D97-AF65-F5344CB8AC3E}">
